--- a/Meeting_Materials/Ergonomics Semester 2 Week 12.pptx
+++ b/Meeting_Materials/Ergonomics Semester 2 Week 12.pptx
@@ -3165,7 +3165,7 @@
           <a:p>
             <a:fld id="{22B1E1AC-897E-4258-89CC-349F958F3456}" type="datetimeFigureOut">
               <a:rPr lang="en-US" smtClean="0"/>
-              <a:t>4/2/2023</a:t>
+              <a:t>11-Apr-23</a:t>
             </a:fld>
             <a:endParaRPr lang="en-US"/>
           </a:p>
@@ -3623,7 +3623,7 @@
           <a:p>
             <a:fld id="{032246CF-3E64-44D5-82D2-E6C647CC0300}" type="datetime1">
               <a:rPr lang="en-US" smtClean="0"/>
-              <a:t>4/2/2023</a:t>
+              <a:t>11-Apr-23</a:t>
             </a:fld>
             <a:endParaRPr lang="en-US"/>
           </a:p>
@@ -4151,7 +4151,7 @@
           <a:p>
             <a:fld id="{3753495E-55A6-46D8-A35E-192AB95FCC1E}" type="datetime1">
               <a:rPr lang="en-US" smtClean="0"/>
-              <a:t>4/2/2023</a:t>
+              <a:t>11-Apr-23</a:t>
             </a:fld>
             <a:endParaRPr lang="en-US"/>
           </a:p>
@@ -4501,7 +4501,7 @@
           <a:p>
             <a:fld id="{7565C209-6024-4AE8-994C-64E567FE647E}" type="datetime1">
               <a:rPr lang="en-US" smtClean="0"/>
-              <a:t>4/2/2023</a:t>
+              <a:t>11-Apr-23</a:t>
             </a:fld>
             <a:endParaRPr lang="en-US"/>
           </a:p>
@@ -5169,8 +5169,8 @@
               <a:rPr lang="en-US" altLang="zh-CN" sz="6000" dirty="0"/>
             </a:br>
             <a:r>
-              <a:rPr lang="en-MY" altLang="zh-CN" sz="6000" dirty="0"/>
-              <a:t>Week 11</a:t>
+              <a:rPr lang="en-MY" altLang="zh-CN" sz="6000"/>
+              <a:t>Week 12</a:t>
             </a:r>
             <a:endParaRPr lang="en-US" sz="6000" dirty="0"/>
           </a:p>
@@ -17754,15 +17754,6 @@
 </file>
 
 <file path=customXml/item1.xml><?xml version="1.0" encoding="utf-8"?>
-<?mso-contentType ?>
-<FormTemplates xmlns="http://schemas.microsoft.com/sharepoint/v3/contenttype/forms">
-  <Display>DocumentLibraryForm</Display>
-  <Edit>DocumentLibraryForm</Edit>
-  <New>DocumentLibraryForm</New>
-</FormTemplates>
-</file>
-
-<file path=customXml/item2.xml><?xml version="1.0" encoding="utf-8"?>
 <ct:contentTypeSchema xmlns:ct="http://schemas.microsoft.com/office/2006/metadata/contentType" xmlns:ma="http://schemas.microsoft.com/office/2006/metadata/properties/metaAttributes" ct:_="" ma:_="" ma:contentTypeName="Document" ma:contentTypeID="0x0101008CE70BE6E7837B4B9A88D8430B8F2B0F" ma:contentTypeVersion="14" ma:contentTypeDescription="Create a new document." ma:contentTypeScope="" ma:versionID="a430e2f271684847ad258d063852a91c">
   <xsd:schema xmlns:xsd="http://www.w3.org/2001/XMLSchema" xmlns:xs="http://www.w3.org/2001/XMLSchema" xmlns:p="http://schemas.microsoft.com/office/2006/metadata/properties" xmlns:ns3="5ba216d5-a24b-4c7d-b581-f7a53554ea73" xmlns:ns4="b0e73fb5-27c0-4e65-baa0-4110d27f4ff6" targetNamespace="http://schemas.microsoft.com/office/2006/metadata/properties" ma:root="true" ma:fieldsID="29bf8cfce3f320fc7361163b245700de" ns3:_="" ns4:_="">
     <xsd:import namespace="5ba216d5-a24b-4c7d-b581-f7a53554ea73"/>
@@ -17991,6 +17982,15 @@
 </ct:contentTypeSchema>
 </file>
 
+<file path=customXml/item2.xml><?xml version="1.0" encoding="utf-8"?>
+<?mso-contentType ?>
+<FormTemplates xmlns="http://schemas.microsoft.com/sharepoint/v3/contenttype/forms">
+  <Display>DocumentLibraryForm</Display>
+  <Edit>DocumentLibraryForm</Edit>
+  <New>DocumentLibraryForm</New>
+</FormTemplates>
+</file>
+
 <file path=customXml/item3.xml><?xml version="1.0" encoding="utf-8"?>
 <p:properties xmlns:p="http://schemas.microsoft.com/office/2006/metadata/properties" xmlns:xsi="http://www.w3.org/2001/XMLSchema-instance" xmlns:pc="http://schemas.microsoft.com/office/infopath/2007/PartnerControls">
   <documentManagement>
@@ -18000,14 +18000,6 @@
 </file>
 
 <file path=customXml/itemProps1.xml><?xml version="1.0" encoding="utf-8"?>
-<ds:datastoreItem xmlns:ds="http://schemas.openxmlformats.org/officeDocument/2006/customXml" ds:itemID="{1C6DAB36-EFD9-4CF1-AA80-50685C862F5B}">
-  <ds:schemaRefs>
-    <ds:schemaRef ds:uri="http://schemas.microsoft.com/sharepoint/v3/contenttype/forms"/>
-  </ds:schemaRefs>
-</ds:datastoreItem>
-</file>
-
-<file path=customXml/itemProps2.xml><?xml version="1.0" encoding="utf-8"?>
 <ds:datastoreItem xmlns:ds="http://schemas.openxmlformats.org/officeDocument/2006/customXml" ds:itemID="{7CAAFDA7-04EB-4337-BBC2-7D9EFC99CD48}">
   <ds:schemaRefs>
     <ds:schemaRef ds:uri="5ba216d5-a24b-4c7d-b581-f7a53554ea73"/>
@@ -18022,6 +18014,14 @@
     <ds:schemaRef ds:uri="http://schemas.microsoft.com/office/infopath/2007/PartnerControls"/>
     <ds:schemaRef ds:uri="http://schemas.openxmlformats.org/package/2006/metadata/core-properties"/>
     <ds:schemaRef ds:uri="http://www.w3.org/2001/XMLSchema"/>
+  </ds:schemaRefs>
+</ds:datastoreItem>
+</file>
+
+<file path=customXml/itemProps2.xml><?xml version="1.0" encoding="utf-8"?>
+<ds:datastoreItem xmlns:ds="http://schemas.openxmlformats.org/officeDocument/2006/customXml" ds:itemID="{1C6DAB36-EFD9-4CF1-AA80-50685C862F5B}">
+  <ds:schemaRefs>
+    <ds:schemaRef ds:uri="http://schemas.microsoft.com/sharepoint/v3/contenttype/forms"/>
   </ds:schemaRefs>
 </ds:datastoreItem>
 </file>
